--- a/197 - Crown Him with Many Crowns.pptx
+++ b/197 - Crown Him with Many Crowns.pptx
@@ -244,7 +244,7 @@
           <a:p>
             <a:fld id="{32F7251A-AE54-443C-B8FE-5F636E835EBF}" type="datetimeFigureOut">
               <a:rPr lang="en-US" smtClean="0"/>
-              <a:t>2/18/2018</a:t>
+              <a:t>11/2/2019</a:t>
             </a:fld>
             <a:endParaRPr lang="en-US" dirty="0"/>
           </a:p>
@@ -412,7 +412,7 @@
           <a:p>
             <a:fld id="{32F7251A-AE54-443C-B8FE-5F636E835EBF}" type="datetimeFigureOut">
               <a:rPr lang="en-US" smtClean="0"/>
-              <a:t>2/18/2018</a:t>
+              <a:t>11/2/2019</a:t>
             </a:fld>
             <a:endParaRPr lang="en-US" dirty="0"/>
           </a:p>
@@ -590,7 +590,7 @@
           <a:p>
             <a:fld id="{32F7251A-AE54-443C-B8FE-5F636E835EBF}" type="datetimeFigureOut">
               <a:rPr lang="en-US" smtClean="0"/>
-              <a:t>2/18/2018</a:t>
+              <a:t>11/2/2019</a:t>
             </a:fld>
             <a:endParaRPr lang="en-US" dirty="0"/>
           </a:p>
@@ -758,7 +758,7 @@
           <a:p>
             <a:fld id="{32F7251A-AE54-443C-B8FE-5F636E835EBF}" type="datetimeFigureOut">
               <a:rPr lang="en-US" smtClean="0"/>
-              <a:t>2/18/2018</a:t>
+              <a:t>11/2/2019</a:t>
             </a:fld>
             <a:endParaRPr lang="en-US" dirty="0"/>
           </a:p>
@@ -1003,7 +1003,7 @@
           <a:p>
             <a:fld id="{32F7251A-AE54-443C-B8FE-5F636E835EBF}" type="datetimeFigureOut">
               <a:rPr lang="en-US" smtClean="0"/>
-              <a:t>2/18/2018</a:t>
+              <a:t>11/2/2019</a:t>
             </a:fld>
             <a:endParaRPr lang="en-US" dirty="0"/>
           </a:p>
@@ -1232,7 +1232,7 @@
           <a:p>
             <a:fld id="{32F7251A-AE54-443C-B8FE-5F636E835EBF}" type="datetimeFigureOut">
               <a:rPr lang="en-US" smtClean="0"/>
-              <a:t>2/18/2018</a:t>
+              <a:t>11/2/2019</a:t>
             </a:fld>
             <a:endParaRPr lang="en-US" dirty="0"/>
           </a:p>
@@ -1596,7 +1596,7 @@
           <a:p>
             <a:fld id="{32F7251A-AE54-443C-B8FE-5F636E835EBF}" type="datetimeFigureOut">
               <a:rPr lang="en-US" smtClean="0"/>
-              <a:t>2/18/2018</a:t>
+              <a:t>11/2/2019</a:t>
             </a:fld>
             <a:endParaRPr lang="en-US" dirty="0"/>
           </a:p>
@@ -1713,7 +1713,7 @@
           <a:p>
             <a:fld id="{32F7251A-AE54-443C-B8FE-5F636E835EBF}" type="datetimeFigureOut">
               <a:rPr lang="en-US" smtClean="0"/>
-              <a:t>2/18/2018</a:t>
+              <a:t>11/2/2019</a:t>
             </a:fld>
             <a:endParaRPr lang="en-US" dirty="0"/>
           </a:p>
@@ -1808,7 +1808,7 @@
           <a:p>
             <a:fld id="{32F7251A-AE54-443C-B8FE-5F636E835EBF}" type="datetimeFigureOut">
               <a:rPr lang="en-US" smtClean="0"/>
-              <a:t>2/18/2018</a:t>
+              <a:t>11/2/2019</a:t>
             </a:fld>
             <a:endParaRPr lang="en-US" dirty="0"/>
           </a:p>
@@ -2083,7 +2083,7 @@
           <a:p>
             <a:fld id="{32F7251A-AE54-443C-B8FE-5F636E835EBF}" type="datetimeFigureOut">
               <a:rPr lang="en-US" smtClean="0"/>
-              <a:t>2/18/2018</a:t>
+              <a:t>11/2/2019</a:t>
             </a:fld>
             <a:endParaRPr lang="en-US" dirty="0"/>
           </a:p>
@@ -2335,7 +2335,7 @@
           <a:p>
             <a:fld id="{32F7251A-AE54-443C-B8FE-5F636E835EBF}" type="datetimeFigureOut">
               <a:rPr lang="en-US" smtClean="0"/>
-              <a:t>2/18/2018</a:t>
+              <a:t>11/2/2019</a:t>
             </a:fld>
             <a:endParaRPr lang="en-US" dirty="0"/>
           </a:p>
@@ -2402,7 +2402,9 @@
     <p:bg>
       <p:bgPr>
         <a:solidFill>
-          <a:srgbClr val="333333"/>
+          <a:schemeClr val="bg1">
+            <a:lumMod val="10000"/>
+          </a:schemeClr>
         </a:solidFill>
         <a:effectLst/>
       </p:bgPr>
@@ -2549,7 +2551,7 @@
           <a:p>
             <a:fld id="{32F7251A-AE54-443C-B8FE-5F636E835EBF}" type="datetimeFigureOut">
               <a:rPr lang="en-US" smtClean="0"/>
-              <a:t>2/18/2018</a:t>
+              <a:t>11/2/2019</a:t>
             </a:fld>
             <a:endParaRPr lang="en-US" dirty="0"/>
           </a:p>
@@ -2956,13 +2958,19 @@
       </p:grpSpPr>
       <p:sp>
         <p:nvSpPr>
-          <p:cNvPr id="4" name="Rectangle 3"/>
+          <p:cNvPr id="5" name="Rectangle 4">
+            <a:extLst>
+              <a:ext uri="{FF2B5EF4-FFF2-40B4-BE49-F238E27FC236}">
+                <a16:creationId xmlns:a16="http://schemas.microsoft.com/office/drawing/2014/main" id="{4F99BCA0-8981-4234-B160-35643BA4FA3B}"/>
+              </a:ext>
+            </a:extLst>
+          </p:cNvPr>
           <p:cNvSpPr/>
           <p:nvPr/>
         </p:nvSpPr>
         <p:spPr>
           <a:xfrm>
-            <a:off x="0" y="5444197"/>
+            <a:off x="0" y="5596597"/>
             <a:ext cx="12192000" cy="1413803"/>
           </a:xfrm>
           <a:prstGeom prst="rect">
@@ -3031,15 +3039,23 @@
           <a:bodyPr wrap="square" rtlCol="0" anchor="ctr">
             <a:spAutoFit/>
           </a:bodyPr>
-          <a:lstStyle/>
-          <a:p>
-            <a:pPr algn="ctr"/>
-            <a:r>
-              <a:rPr lang="en-US" sz="4800" dirty="0">
+          <a:lstStyle>
+            <a:defPPr>
+              <a:defRPr lang="en-US"/>
+            </a:defPPr>
+            <a:lvl1pPr algn="ctr">
+              <a:defRPr sz="3200" u="sng">
                 <a:solidFill>
                   <a:schemeClr val="bg1"/>
                 </a:solidFill>
-              </a:rPr>
+                <a:latin typeface="Assistant SemiBold" panose="00000700000000000000" pitchFamily="2" charset="-79"/>
+                <a:cs typeface="Assistant SemiBold" panose="00000700000000000000" pitchFamily="2" charset="-79"/>
+              </a:defRPr>
+            </a:lvl1pPr>
+          </a:lstStyle>
+          <a:p>
+            <a:r>
+              <a:rPr lang="en-US" dirty="0"/>
               <a:t>“Crown Him with Many Crowns”</a:t>
             </a:r>
           </a:p>
@@ -3053,8 +3069,8 @@
         </p:nvSpPr>
         <p:spPr>
           <a:xfrm>
-            <a:off x="0" y="248013"/>
-            <a:ext cx="12192000" cy="5078313"/>
+            <a:off x="0" y="839481"/>
+            <a:ext cx="12192000" cy="4093428"/>
           </a:xfrm>
           <a:prstGeom prst="rect">
             <a:avLst/>
@@ -3065,100 +3081,68 @@
           <a:bodyPr wrap="square" rtlCol="0">
             <a:spAutoFit/>
           </a:bodyPr>
-          <a:lstStyle/>
-          <a:p>
-            <a:pPr algn="ctr"/>
-            <a:r>
-              <a:rPr lang="en-US" sz="3600" dirty="0">
+          <a:lstStyle>
+            <a:defPPr>
+              <a:defRPr lang="en-US"/>
+            </a:defPPr>
+            <a:lvl1pPr algn="ctr">
+              <a:defRPr sz="2800" spc="50">
                 <a:solidFill>
                   <a:schemeClr val="bg1"/>
                 </a:solidFill>
-              </a:rPr>
+                <a:latin typeface="Assistant" panose="00000500000000000000" pitchFamily="2" charset="-79"/>
+                <a:cs typeface="Assistant" panose="00000500000000000000" pitchFamily="2" charset="-79"/>
+              </a:defRPr>
+            </a:lvl1pPr>
+          </a:lstStyle>
+          <a:p>
+            <a:r>
+              <a:rPr lang="en-US" dirty="0"/>
               <a:t>Crown Him with many crowns,</a:t>
             </a:r>
           </a:p>
           <a:p>
-            <a:pPr algn="ctr"/>
-            <a:r>
-              <a:rPr lang="en-US" sz="3600" dirty="0">
-                <a:solidFill>
-                  <a:schemeClr val="bg1"/>
-                </a:solidFill>
-              </a:rPr>
+            <a:r>
+              <a:rPr lang="en-US" dirty="0"/>
               <a:t>The Lamb upon His throne!</a:t>
             </a:r>
           </a:p>
           <a:p>
-            <a:pPr algn="ctr"/>
-            <a:r>
-              <a:rPr lang="en-US" sz="3600" dirty="0">
-                <a:solidFill>
-                  <a:schemeClr val="bg1"/>
-                </a:solidFill>
-              </a:rPr>
+            <a:r>
+              <a:rPr lang="en-US" dirty="0"/>
               <a:t>Hark, how the heav’nly anthem drowns</a:t>
             </a:r>
           </a:p>
           <a:p>
-            <a:pPr algn="ctr"/>
-            <a:r>
-              <a:rPr lang="en-US" sz="3600" dirty="0">
-                <a:solidFill>
-                  <a:schemeClr val="bg1"/>
-                </a:solidFill>
-              </a:rPr>
+            <a:r>
+              <a:rPr lang="en-US" dirty="0"/>
               <a:t>All music but His own!</a:t>
             </a:r>
           </a:p>
           <a:p>
-            <a:pPr algn="ctr"/>
-            <a:endParaRPr lang="en-US" sz="3600" dirty="0">
-              <a:solidFill>
-                <a:schemeClr val="bg1"/>
-              </a:solidFill>
-            </a:endParaRPr>
-          </a:p>
-          <a:p>
-            <a:pPr algn="ctr"/>
-            <a:r>
-              <a:rPr lang="en-US" sz="3600" dirty="0">
-                <a:solidFill>
-                  <a:schemeClr val="bg1"/>
-                </a:solidFill>
-              </a:rPr>
+            <a:endParaRPr lang="en-US" dirty="0"/>
+          </a:p>
+          <a:p>
+            <a:r>
+              <a:rPr lang="en-US" dirty="0"/>
               <a:t>Awake my soul and sing</a:t>
             </a:r>
           </a:p>
           <a:p>
-            <a:pPr algn="ctr"/>
-            <a:r>
-              <a:rPr lang="en-US" sz="3600" dirty="0">
-                <a:solidFill>
-                  <a:schemeClr val="bg1"/>
-                </a:solidFill>
-              </a:rPr>
+            <a:r>
+              <a:rPr lang="en-US" dirty="0"/>
               <a:t>Of Him who died for thee</a:t>
             </a:r>
           </a:p>
           <a:p>
-            <a:pPr algn="ctr"/>
-            <a:r>
-              <a:rPr lang="en-US" sz="3600" dirty="0">
-                <a:solidFill>
-                  <a:schemeClr val="bg1"/>
-                </a:solidFill>
-              </a:rPr>
+            <a:r>
+              <a:rPr lang="en-US" dirty="0"/>
               <a:t>And hail Him as thy matchless King</a:t>
             </a:r>
           </a:p>
           <a:p>
-            <a:pPr algn="ctr"/>
-            <a:r>
-              <a:rPr lang="en-US" sz="3600" dirty="0">
-                <a:solidFill>
-                  <a:schemeClr val="bg1"/>
-                </a:solidFill>
-              </a:rPr>
+            <a:r>
+              <a:rPr lang="en-US" dirty="0"/>
               <a:t>Through all eternity.</a:t>
             </a:r>
           </a:p>
@@ -3196,13 +3180,19 @@
       </p:grpSpPr>
       <p:sp>
         <p:nvSpPr>
-          <p:cNvPr id="4" name="Rectangle 3"/>
+          <p:cNvPr id="5" name="Rectangle 4">
+            <a:extLst>
+              <a:ext uri="{FF2B5EF4-FFF2-40B4-BE49-F238E27FC236}">
+                <a16:creationId xmlns:a16="http://schemas.microsoft.com/office/drawing/2014/main" id="{D79BE67F-BDE2-4082-B0F8-A9AA6C2FE819}"/>
+              </a:ext>
+            </a:extLst>
+          </p:cNvPr>
           <p:cNvSpPr/>
           <p:nvPr/>
         </p:nvSpPr>
         <p:spPr>
           <a:xfrm>
-            <a:off x="0" y="5444197"/>
+            <a:off x="0" y="5596597"/>
             <a:ext cx="12192000" cy="1413803"/>
           </a:xfrm>
           <a:prstGeom prst="rect">
@@ -3253,14 +3243,20 @@
       </p:sp>
       <p:sp>
         <p:nvSpPr>
-          <p:cNvPr id="7" name="TextBox 6"/>
+          <p:cNvPr id="6" name="TextBox 5">
+            <a:extLst>
+              <a:ext uri="{FF2B5EF4-FFF2-40B4-BE49-F238E27FC236}">
+                <a16:creationId xmlns:a16="http://schemas.microsoft.com/office/drawing/2014/main" id="{0B7F8209-A4F3-45AD-98C8-FA71C53EBBEF}"/>
+              </a:ext>
+            </a:extLst>
+          </p:cNvPr>
           <p:cNvSpPr txBox="1"/>
           <p:nvPr/>
         </p:nvSpPr>
         <p:spPr>
           <a:xfrm>
-            <a:off x="0" y="5804209"/>
-            <a:ext cx="12192000" cy="830997"/>
+            <a:off x="0" y="839481"/>
+            <a:ext cx="12192000" cy="4093428"/>
           </a:xfrm>
           <a:prstGeom prst="rect">
             <a:avLst/>
@@ -3268,33 +3264,92 @@
           <a:noFill/>
         </p:spPr>
         <p:txBody>
-          <a:bodyPr wrap="square" rtlCol="0" anchor="ctr">
+          <a:bodyPr wrap="square" rtlCol="0">
             <a:spAutoFit/>
           </a:bodyPr>
-          <a:lstStyle/>
-          <a:p>
-            <a:pPr algn="ctr"/>
-            <a:r>
-              <a:rPr lang="en-US" sz="4800" dirty="0">
+          <a:lstStyle>
+            <a:defPPr>
+              <a:defRPr lang="en-US"/>
+            </a:defPPr>
+            <a:lvl1pPr algn="ctr">
+              <a:defRPr sz="2800" spc="50">
                 <a:solidFill>
                   <a:schemeClr val="bg1"/>
                 </a:solidFill>
-              </a:rPr>
-              <a:t>“Crown Him with Many Crowns”</a:t>
-            </a:r>
-          </a:p>
-        </p:txBody>
-      </p:sp>
-      <p:sp>
-        <p:nvSpPr>
-          <p:cNvPr id="8" name="TextBox 7"/>
+                <a:latin typeface="Assistant" panose="00000500000000000000" pitchFamily="2" charset="-79"/>
+                <a:cs typeface="Assistant" panose="00000500000000000000" pitchFamily="2" charset="-79"/>
+              </a:defRPr>
+            </a:lvl1pPr>
+          </a:lstStyle>
+          <a:p>
+            <a:r>
+              <a:rPr lang="en-US" dirty="0"/>
+              <a:t>Crown Him the Lord of Love,</a:t>
+            </a:r>
+          </a:p>
+          <a:p>
+            <a:r>
+              <a:rPr lang="en-US" dirty="0"/>
+              <a:t>Behold His hands and side!</a:t>
+            </a:r>
+          </a:p>
+          <a:p>
+            <a:r>
+              <a:rPr lang="en-US" dirty="0"/>
+              <a:t>Rich wounds yet visible above,</a:t>
+            </a:r>
+          </a:p>
+          <a:p>
+            <a:r>
+              <a:rPr lang="en-US" dirty="0"/>
+              <a:t>In beauty glorified.</a:t>
+            </a:r>
+          </a:p>
+          <a:p>
+            <a:endParaRPr lang="en-US" dirty="0"/>
+          </a:p>
+          <a:p>
+            <a:r>
+              <a:rPr lang="en-US" dirty="0"/>
+              <a:t>No angel in the sky</a:t>
+            </a:r>
+          </a:p>
+          <a:p>
+            <a:r>
+              <a:rPr lang="en-US" dirty="0"/>
+              <a:t>But glories in the sight</a:t>
+            </a:r>
+          </a:p>
+          <a:p>
+            <a:r>
+              <a:rPr lang="en-US" dirty="0"/>
+              <a:t>And praises God with beaming eye</a:t>
+            </a:r>
+          </a:p>
+          <a:p>
+            <a:r>
+              <a:rPr lang="en-US" dirty="0"/>
+              <a:t>For mystery so bright.</a:t>
+            </a:r>
+          </a:p>
+        </p:txBody>
+      </p:sp>
+      <p:sp>
+        <p:nvSpPr>
+          <p:cNvPr id="9" name="TextBox 8">
+            <a:extLst>
+              <a:ext uri="{FF2B5EF4-FFF2-40B4-BE49-F238E27FC236}">
+                <a16:creationId xmlns:a16="http://schemas.microsoft.com/office/drawing/2014/main" id="{3F23CD7A-0628-4E28-88D4-962C7722CA2B}"/>
+              </a:ext>
+            </a:extLst>
+          </p:cNvPr>
           <p:cNvSpPr txBox="1"/>
           <p:nvPr/>
         </p:nvSpPr>
         <p:spPr>
           <a:xfrm>
-            <a:off x="0" y="248013"/>
-            <a:ext cx="12192000" cy="5078313"/>
+            <a:off x="0" y="5927320"/>
+            <a:ext cx="12192000" cy="584775"/>
           </a:xfrm>
           <a:prstGeom prst="rect">
             <a:avLst/>
@@ -3302,104 +3357,27 @@
           <a:noFill/>
         </p:spPr>
         <p:txBody>
-          <a:bodyPr wrap="square" rtlCol="0">
+          <a:bodyPr wrap="square" rtlCol="0" anchor="ctr">
             <a:spAutoFit/>
           </a:bodyPr>
-          <a:lstStyle/>
-          <a:p>
-            <a:pPr algn="ctr"/>
-            <a:r>
-              <a:rPr lang="en-US" sz="3600" dirty="0">
+          <a:lstStyle>
+            <a:defPPr>
+              <a:defRPr lang="en-US"/>
+            </a:defPPr>
+            <a:lvl1pPr algn="ctr">
+              <a:defRPr sz="3200" u="sng">
                 <a:solidFill>
                   <a:schemeClr val="bg1"/>
                 </a:solidFill>
-              </a:rPr>
-              <a:t>Crown Him the Lord of Love,</a:t>
-            </a:r>
-          </a:p>
-          <a:p>
-            <a:pPr algn="ctr"/>
-            <a:r>
-              <a:rPr lang="en-US" sz="3600" dirty="0">
-                <a:solidFill>
-                  <a:schemeClr val="bg1"/>
-                </a:solidFill>
-              </a:rPr>
-              <a:t>Behold His hands and side!</a:t>
-            </a:r>
-          </a:p>
-          <a:p>
-            <a:pPr algn="ctr"/>
-            <a:r>
-              <a:rPr lang="en-US" sz="3600" dirty="0">
-                <a:solidFill>
-                  <a:schemeClr val="bg1"/>
-                </a:solidFill>
-              </a:rPr>
-              <a:t>Rich wounds yet visible above,</a:t>
-            </a:r>
-          </a:p>
-          <a:p>
-            <a:pPr algn="ctr"/>
-            <a:r>
-              <a:rPr lang="en-US" sz="3600" dirty="0">
-                <a:solidFill>
-                  <a:schemeClr val="bg1"/>
-                </a:solidFill>
-              </a:rPr>
-              <a:t>In beauty glorified.</a:t>
-            </a:r>
-          </a:p>
-          <a:p>
-            <a:pPr algn="ctr"/>
-            <a:endParaRPr lang="en-US" sz="3600" dirty="0">
-              <a:solidFill>
-                <a:schemeClr val="bg1"/>
-              </a:solidFill>
-            </a:endParaRPr>
-          </a:p>
-          <a:p>
-            <a:pPr algn="ctr"/>
-            <a:r>
-              <a:rPr lang="en-US" sz="3600" dirty="0">
-                <a:solidFill>
-                  <a:schemeClr val="bg1"/>
-                </a:solidFill>
-              </a:rPr>
-              <a:t>No angel in the sky</a:t>
-            </a:r>
-          </a:p>
-          <a:p>
-            <a:pPr algn="ctr"/>
-            <a:r>
-              <a:rPr lang="en-US" sz="3600" dirty="0">
-                <a:solidFill>
-                  <a:schemeClr val="bg1"/>
-                </a:solidFill>
-              </a:rPr>
-              <a:t>But glories in the sight</a:t>
-            </a:r>
-          </a:p>
-          <a:p>
-            <a:pPr algn="ctr"/>
-            <a:r>
-              <a:rPr lang="en-US" sz="3600" dirty="0">
-                <a:solidFill>
-                  <a:schemeClr val="bg1"/>
-                </a:solidFill>
-              </a:rPr>
-              <a:t>And praises God with beaming eye</a:t>
-            </a:r>
-          </a:p>
-          <a:p>
-            <a:pPr algn="ctr"/>
-            <a:r>
-              <a:rPr lang="en-US" sz="3600" dirty="0">
-                <a:solidFill>
-                  <a:schemeClr val="bg1"/>
-                </a:solidFill>
-              </a:rPr>
-              <a:t>For mystery so bright.</a:t>
+                <a:latin typeface="Assistant SemiBold" panose="00000700000000000000" pitchFamily="2" charset="-79"/>
+                <a:cs typeface="Assistant SemiBold" panose="00000700000000000000" pitchFamily="2" charset="-79"/>
+              </a:defRPr>
+            </a:lvl1pPr>
+          </a:lstStyle>
+          <a:p>
+            <a:r>
+              <a:rPr lang="en-US" dirty="0"/>
+              <a:t>“Crown Him with Many Crowns”</a:t>
             </a:r>
           </a:p>
         </p:txBody>
@@ -3436,13 +3414,19 @@
       </p:grpSpPr>
       <p:sp>
         <p:nvSpPr>
-          <p:cNvPr id="4" name="Rectangle 3"/>
+          <p:cNvPr id="5" name="Rectangle 4">
+            <a:extLst>
+              <a:ext uri="{FF2B5EF4-FFF2-40B4-BE49-F238E27FC236}">
+                <a16:creationId xmlns:a16="http://schemas.microsoft.com/office/drawing/2014/main" id="{D12513DC-F2E2-4E4C-881C-3C8A703819A8}"/>
+              </a:ext>
+            </a:extLst>
+          </p:cNvPr>
           <p:cNvSpPr/>
           <p:nvPr/>
         </p:nvSpPr>
         <p:spPr>
           <a:xfrm>
-            <a:off x="0" y="5444197"/>
+            <a:off x="0" y="5596597"/>
             <a:ext cx="12192000" cy="1413803"/>
           </a:xfrm>
           <a:prstGeom prst="rect">
@@ -3493,14 +3477,20 @@
       </p:sp>
       <p:sp>
         <p:nvSpPr>
-          <p:cNvPr id="7" name="TextBox 6"/>
+          <p:cNvPr id="6" name="TextBox 5">
+            <a:extLst>
+              <a:ext uri="{FF2B5EF4-FFF2-40B4-BE49-F238E27FC236}">
+                <a16:creationId xmlns:a16="http://schemas.microsoft.com/office/drawing/2014/main" id="{F0DFC77F-5B4C-4C35-BA7F-C023C00528B0}"/>
+              </a:ext>
+            </a:extLst>
+          </p:cNvPr>
           <p:cNvSpPr txBox="1"/>
           <p:nvPr/>
         </p:nvSpPr>
         <p:spPr>
           <a:xfrm>
-            <a:off x="0" y="5804209"/>
-            <a:ext cx="12192000" cy="830997"/>
+            <a:off x="0" y="839481"/>
+            <a:ext cx="12192000" cy="3970318"/>
           </a:xfrm>
           <a:prstGeom prst="rect">
             <a:avLst/>
@@ -3508,33 +3498,92 @@
           <a:noFill/>
         </p:spPr>
         <p:txBody>
-          <a:bodyPr wrap="square" rtlCol="0" anchor="ctr">
+          <a:bodyPr wrap="square" rtlCol="0">
             <a:spAutoFit/>
           </a:bodyPr>
-          <a:lstStyle/>
-          <a:p>
-            <a:pPr algn="ctr"/>
-            <a:r>
-              <a:rPr lang="en-US" sz="4800" dirty="0">
+          <a:lstStyle>
+            <a:defPPr>
+              <a:defRPr lang="en-US"/>
+            </a:defPPr>
+            <a:lvl1pPr algn="ctr">
+              <a:defRPr sz="2800" spc="50">
                 <a:solidFill>
                   <a:schemeClr val="bg1"/>
                 </a:solidFill>
-              </a:rPr>
-              <a:t>“Crown Him with Many Crowns”</a:t>
-            </a:r>
-          </a:p>
-        </p:txBody>
-      </p:sp>
-      <p:sp>
-        <p:nvSpPr>
-          <p:cNvPr id="8" name="TextBox 7"/>
+                <a:latin typeface="Assistant" panose="00000500000000000000" pitchFamily="2" charset="-79"/>
+                <a:cs typeface="Assistant" panose="00000500000000000000" pitchFamily="2" charset="-79"/>
+              </a:defRPr>
+            </a:lvl1pPr>
+          </a:lstStyle>
+          <a:p>
+            <a:r>
+              <a:rPr lang="en-US" dirty="0"/>
+              <a:t>Crown Him the Lord of peace,</a:t>
+            </a:r>
+          </a:p>
+          <a:p>
+            <a:r>
+              <a:rPr lang="en-US" dirty="0"/>
+              <a:t>Whose power a scepter sways</a:t>
+            </a:r>
+          </a:p>
+          <a:p>
+            <a:r>
+              <a:rPr lang="en-US" dirty="0"/>
+              <a:t>From pole to pole, that wars may cease</a:t>
+            </a:r>
+          </a:p>
+          <a:p>
+            <a:r>
+              <a:rPr lang="en-US" dirty="0"/>
+              <a:t>And all be prayer and praise.</a:t>
+            </a:r>
+          </a:p>
+          <a:p>
+            <a:endParaRPr lang="en-US" dirty="0"/>
+          </a:p>
+          <a:p>
+            <a:r>
+              <a:rPr lang="en-US" dirty="0"/>
+              <a:t>His reign shall know no end,</a:t>
+            </a:r>
+          </a:p>
+          <a:p>
+            <a:r>
+              <a:rPr lang="en-US" dirty="0"/>
+              <a:t>And round His pierced feet</a:t>
+            </a:r>
+          </a:p>
+          <a:p>
+            <a:r>
+              <a:rPr lang="en-US" dirty="0"/>
+              <a:t>Fair flowers of paradise extend</a:t>
+            </a:r>
+          </a:p>
+          <a:p>
+            <a:r>
+              <a:rPr lang="en-US" dirty="0"/>
+              <a:t>Their fragrance ever sweet.</a:t>
+            </a:r>
+          </a:p>
+        </p:txBody>
+      </p:sp>
+      <p:sp>
+        <p:nvSpPr>
+          <p:cNvPr id="9" name="TextBox 8">
+            <a:extLst>
+              <a:ext uri="{FF2B5EF4-FFF2-40B4-BE49-F238E27FC236}">
+                <a16:creationId xmlns:a16="http://schemas.microsoft.com/office/drawing/2014/main" id="{F44EBE73-CF39-41A1-8FE5-F229B63CBC51}"/>
+              </a:ext>
+            </a:extLst>
+          </p:cNvPr>
           <p:cNvSpPr txBox="1"/>
           <p:nvPr/>
         </p:nvSpPr>
         <p:spPr>
           <a:xfrm>
-            <a:off x="0" y="248013"/>
-            <a:ext cx="12192000" cy="5078313"/>
+            <a:off x="0" y="5927320"/>
+            <a:ext cx="12192000" cy="584775"/>
           </a:xfrm>
           <a:prstGeom prst="rect">
             <a:avLst/>
@@ -3542,104 +3591,27 @@
           <a:noFill/>
         </p:spPr>
         <p:txBody>
-          <a:bodyPr wrap="square" rtlCol="0">
+          <a:bodyPr wrap="square" rtlCol="0" anchor="ctr">
             <a:spAutoFit/>
           </a:bodyPr>
-          <a:lstStyle/>
-          <a:p>
-            <a:pPr algn="ctr"/>
-            <a:r>
-              <a:rPr lang="en-US" sz="3600" dirty="0">
+          <a:lstStyle>
+            <a:defPPr>
+              <a:defRPr lang="en-US"/>
+            </a:defPPr>
+            <a:lvl1pPr algn="ctr">
+              <a:defRPr sz="3200" u="sng">
                 <a:solidFill>
                   <a:schemeClr val="bg1"/>
                 </a:solidFill>
-              </a:rPr>
-              <a:t>Crown Him the Lord of peace,</a:t>
-            </a:r>
-          </a:p>
-          <a:p>
-            <a:pPr algn="ctr"/>
-            <a:r>
-              <a:rPr lang="en-US" sz="3600" dirty="0">
-                <a:solidFill>
-                  <a:schemeClr val="bg1"/>
-                </a:solidFill>
-              </a:rPr>
-              <a:t>Whose power a scepter sways</a:t>
-            </a:r>
-          </a:p>
-          <a:p>
-            <a:pPr algn="ctr"/>
-            <a:r>
-              <a:rPr lang="en-US" sz="3600" dirty="0">
-                <a:solidFill>
-                  <a:schemeClr val="bg1"/>
-                </a:solidFill>
-              </a:rPr>
-              <a:t>From pole to pole, that wars may cease</a:t>
-            </a:r>
-          </a:p>
-          <a:p>
-            <a:pPr algn="ctr"/>
-            <a:r>
-              <a:rPr lang="en-US" sz="3600" dirty="0">
-                <a:solidFill>
-                  <a:schemeClr val="bg1"/>
-                </a:solidFill>
-              </a:rPr>
-              <a:t>And all be prayer and praise.</a:t>
-            </a:r>
-          </a:p>
-          <a:p>
-            <a:pPr algn="ctr"/>
-            <a:endParaRPr lang="en-US" sz="3600" dirty="0">
-              <a:solidFill>
-                <a:schemeClr val="bg1"/>
-              </a:solidFill>
-            </a:endParaRPr>
-          </a:p>
-          <a:p>
-            <a:pPr algn="ctr"/>
-            <a:r>
-              <a:rPr lang="en-US" sz="3600" dirty="0">
-                <a:solidFill>
-                  <a:schemeClr val="bg1"/>
-                </a:solidFill>
-              </a:rPr>
-              <a:t>His reign shall know no end,</a:t>
-            </a:r>
-          </a:p>
-          <a:p>
-            <a:pPr algn="ctr"/>
-            <a:r>
-              <a:rPr lang="en-US" sz="3600" dirty="0">
-                <a:solidFill>
-                  <a:schemeClr val="bg1"/>
-                </a:solidFill>
-              </a:rPr>
-              <a:t>And round His pierced feet</a:t>
-            </a:r>
-          </a:p>
-          <a:p>
-            <a:pPr algn="ctr"/>
-            <a:r>
-              <a:rPr lang="en-US" sz="3600" dirty="0">
-                <a:solidFill>
-                  <a:schemeClr val="bg1"/>
-                </a:solidFill>
-              </a:rPr>
-              <a:t>Fair flowers of paradise extend</a:t>
-            </a:r>
-          </a:p>
-          <a:p>
-            <a:pPr algn="ctr"/>
-            <a:r>
-              <a:rPr lang="en-US" sz="3600" dirty="0">
-                <a:solidFill>
-                  <a:schemeClr val="bg1"/>
-                </a:solidFill>
-              </a:rPr>
-              <a:t>Their fragrance ever sweet.</a:t>
+                <a:latin typeface="Assistant SemiBold" panose="00000700000000000000" pitchFamily="2" charset="-79"/>
+                <a:cs typeface="Assistant SemiBold" panose="00000700000000000000" pitchFamily="2" charset="-79"/>
+              </a:defRPr>
+            </a:lvl1pPr>
+          </a:lstStyle>
+          <a:p>
+            <a:r>
+              <a:rPr lang="en-US" dirty="0"/>
+              <a:t>“Crown Him with Many Crowns”</a:t>
             </a:r>
           </a:p>
         </p:txBody>
@@ -3676,13 +3648,19 @@
       </p:grpSpPr>
       <p:sp>
         <p:nvSpPr>
-          <p:cNvPr id="4" name="Rectangle 3"/>
+          <p:cNvPr id="5" name="Rectangle 4">
+            <a:extLst>
+              <a:ext uri="{FF2B5EF4-FFF2-40B4-BE49-F238E27FC236}">
+                <a16:creationId xmlns:a16="http://schemas.microsoft.com/office/drawing/2014/main" id="{C6939708-630B-481E-BA62-0DD24A4472F9}"/>
+              </a:ext>
+            </a:extLst>
+          </p:cNvPr>
           <p:cNvSpPr/>
           <p:nvPr/>
         </p:nvSpPr>
         <p:spPr>
           <a:xfrm>
-            <a:off x="0" y="5444197"/>
+            <a:off x="0" y="5596597"/>
             <a:ext cx="12192000" cy="1413803"/>
           </a:xfrm>
           <a:prstGeom prst="rect">
@@ -3733,14 +3711,20 @@
       </p:sp>
       <p:sp>
         <p:nvSpPr>
-          <p:cNvPr id="7" name="TextBox 6"/>
+          <p:cNvPr id="9" name="TextBox 8">
+            <a:extLst>
+              <a:ext uri="{FF2B5EF4-FFF2-40B4-BE49-F238E27FC236}">
+                <a16:creationId xmlns:a16="http://schemas.microsoft.com/office/drawing/2014/main" id="{EA091165-B938-4C3B-8EF3-5DC713056498}"/>
+              </a:ext>
+            </a:extLst>
+          </p:cNvPr>
           <p:cNvSpPr txBox="1"/>
           <p:nvPr/>
         </p:nvSpPr>
         <p:spPr>
           <a:xfrm>
-            <a:off x="0" y="5804209"/>
-            <a:ext cx="12192000" cy="830997"/>
+            <a:off x="0" y="839481"/>
+            <a:ext cx="12192000" cy="3970318"/>
           </a:xfrm>
           <a:prstGeom prst="rect">
             <a:avLst/>
@@ -3748,33 +3732,92 @@
           <a:noFill/>
         </p:spPr>
         <p:txBody>
-          <a:bodyPr wrap="square" rtlCol="0" anchor="ctr">
+          <a:bodyPr wrap="square" rtlCol="0">
             <a:spAutoFit/>
           </a:bodyPr>
-          <a:lstStyle/>
-          <a:p>
-            <a:pPr algn="ctr"/>
-            <a:r>
-              <a:rPr lang="en-US" sz="4800" dirty="0">
+          <a:lstStyle>
+            <a:defPPr>
+              <a:defRPr lang="en-US"/>
+            </a:defPPr>
+            <a:lvl1pPr algn="ctr">
+              <a:defRPr sz="2800" spc="50">
                 <a:solidFill>
                   <a:schemeClr val="bg1"/>
                 </a:solidFill>
-              </a:rPr>
-              <a:t>“Crown Him with Many Crowns”</a:t>
-            </a:r>
-          </a:p>
-        </p:txBody>
-      </p:sp>
-      <p:sp>
-        <p:nvSpPr>
-          <p:cNvPr id="8" name="TextBox 7"/>
+                <a:latin typeface="Assistant" panose="00000500000000000000" pitchFamily="2" charset="-79"/>
+                <a:cs typeface="Assistant" panose="00000500000000000000" pitchFamily="2" charset="-79"/>
+              </a:defRPr>
+            </a:lvl1pPr>
+          </a:lstStyle>
+          <a:p>
+            <a:r>
+              <a:rPr lang="en-US" dirty="0"/>
+              <a:t>Crown Him the Lord of years,</a:t>
+            </a:r>
+          </a:p>
+          <a:p>
+            <a:r>
+              <a:rPr lang="en-US" dirty="0"/>
+              <a:t>The Potentate of time,</a:t>
+            </a:r>
+          </a:p>
+          <a:p>
+            <a:r>
+              <a:rPr lang="en-US" dirty="0"/>
+              <a:t>Creator of the rolling spheres,</a:t>
+            </a:r>
+          </a:p>
+          <a:p>
+            <a:r>
+              <a:rPr lang="en-US" dirty="0"/>
+              <a:t>Ineffably sublime.</a:t>
+            </a:r>
+          </a:p>
+          <a:p>
+            <a:endParaRPr lang="en-US" dirty="0"/>
+          </a:p>
+          <a:p>
+            <a:r>
+              <a:rPr lang="en-US" dirty="0"/>
+              <a:t>All hail, Redeemer, hail!</a:t>
+            </a:r>
+          </a:p>
+          <a:p>
+            <a:r>
+              <a:rPr lang="en-US" dirty="0"/>
+              <a:t>For Thou hast died for me;</a:t>
+            </a:r>
+          </a:p>
+          <a:p>
+            <a:r>
+              <a:rPr lang="en-US" dirty="0"/>
+              <a:t>Thy praise shall never, never fail</a:t>
+            </a:r>
+          </a:p>
+          <a:p>
+            <a:r>
+              <a:rPr lang="en-US" dirty="0"/>
+              <a:t>Throughout eternity.</a:t>
+            </a:r>
+          </a:p>
+        </p:txBody>
+      </p:sp>
+      <p:sp>
+        <p:nvSpPr>
+          <p:cNvPr id="10" name="TextBox 9">
+            <a:extLst>
+              <a:ext uri="{FF2B5EF4-FFF2-40B4-BE49-F238E27FC236}">
+                <a16:creationId xmlns:a16="http://schemas.microsoft.com/office/drawing/2014/main" id="{0D294B1D-3D91-4DA1-9245-2D0F3B2AD6F4}"/>
+              </a:ext>
+            </a:extLst>
+          </p:cNvPr>
           <p:cNvSpPr txBox="1"/>
           <p:nvPr/>
         </p:nvSpPr>
         <p:spPr>
           <a:xfrm>
-            <a:off x="0" y="248013"/>
-            <a:ext cx="12192000" cy="5078313"/>
+            <a:off x="0" y="5927320"/>
+            <a:ext cx="12192000" cy="584775"/>
           </a:xfrm>
           <a:prstGeom prst="rect">
             <a:avLst/>
@@ -3782,110 +3825,28 @@
           <a:noFill/>
         </p:spPr>
         <p:txBody>
-          <a:bodyPr wrap="square" rtlCol="0">
+          <a:bodyPr wrap="square" rtlCol="0" anchor="ctr">
             <a:spAutoFit/>
           </a:bodyPr>
-          <a:lstStyle/>
-          <a:p>
-            <a:pPr algn="ctr"/>
-            <a:r>
-              <a:rPr lang="en-US" sz="3600" dirty="0">
+          <a:lstStyle>
+            <a:defPPr>
+              <a:defRPr lang="en-US"/>
+            </a:defPPr>
+            <a:lvl1pPr algn="ctr">
+              <a:defRPr sz="3200" u="sng">
                 <a:solidFill>
                   <a:schemeClr val="bg1"/>
                 </a:solidFill>
-              </a:rPr>
-              <a:t>Crown Him the Lord of years,</a:t>
-            </a:r>
-          </a:p>
-          <a:p>
-            <a:pPr algn="ctr"/>
-            <a:r>
-              <a:rPr lang="en-US" sz="3600" dirty="0">
-                <a:solidFill>
-                  <a:schemeClr val="bg1"/>
-                </a:solidFill>
-              </a:rPr>
-              <a:t>The Potentate of time,</a:t>
-            </a:r>
-          </a:p>
-          <a:p>
-            <a:pPr algn="ctr"/>
-            <a:r>
-              <a:rPr lang="en-US" sz="3600" dirty="0">
-                <a:solidFill>
-                  <a:schemeClr val="bg1"/>
-                </a:solidFill>
-              </a:rPr>
-              <a:t>Creator of the rolling spheres,</a:t>
-            </a:r>
-          </a:p>
-          <a:p>
-            <a:pPr algn="ctr"/>
-            <a:r>
-              <a:rPr lang="en-US" sz="3600" dirty="0">
-                <a:solidFill>
-                  <a:schemeClr val="bg1"/>
-                </a:solidFill>
-              </a:rPr>
-              <a:t>Ineffably sublime.</a:t>
-            </a:r>
-          </a:p>
-          <a:p>
-            <a:pPr algn="ctr"/>
-            <a:endParaRPr lang="en-US" sz="3600" dirty="0">
-              <a:solidFill>
-                <a:schemeClr val="bg1"/>
-              </a:solidFill>
-            </a:endParaRPr>
-          </a:p>
-          <a:p>
-            <a:pPr algn="ctr"/>
-            <a:r>
-              <a:rPr lang="en-US" sz="3600" dirty="0">
-                <a:solidFill>
-                  <a:schemeClr val="bg1"/>
-                </a:solidFill>
-              </a:rPr>
-              <a:t>All hail, Redeemer, hail!</a:t>
-            </a:r>
-          </a:p>
-          <a:p>
-            <a:pPr algn="ctr"/>
-            <a:r>
-              <a:rPr lang="en-US" sz="3600" dirty="0">
-                <a:solidFill>
-                  <a:schemeClr val="bg1"/>
-                </a:solidFill>
-              </a:rPr>
-              <a:t>For Thou hast died for me;</a:t>
-            </a:r>
-          </a:p>
-          <a:p>
-            <a:pPr algn="ctr"/>
-            <a:r>
-              <a:rPr lang="en-US" sz="3600" dirty="0">
-                <a:solidFill>
-                  <a:schemeClr val="bg1"/>
-                </a:solidFill>
-              </a:rPr>
-              <a:t>Thy praise shall never, never fail</a:t>
-            </a:r>
-          </a:p>
-          <a:p>
-            <a:pPr algn="ctr"/>
-            <a:r>
-              <a:rPr lang="en-US" sz="3600">
-                <a:solidFill>
-                  <a:schemeClr val="bg1"/>
-                </a:solidFill>
-              </a:rPr>
-              <a:t>Throughout eternity.</a:t>
-            </a:r>
-            <a:endParaRPr lang="en-US" sz="3600" dirty="0">
-              <a:solidFill>
-                <a:schemeClr val="bg1"/>
-              </a:solidFill>
-            </a:endParaRPr>
+                <a:latin typeface="Assistant SemiBold" panose="00000700000000000000" pitchFamily="2" charset="-79"/>
+                <a:cs typeface="Assistant SemiBold" panose="00000700000000000000" pitchFamily="2" charset="-79"/>
+              </a:defRPr>
+            </a:lvl1pPr>
+          </a:lstStyle>
+          <a:p>
+            <a:r>
+              <a:rPr lang="en-US" dirty="0"/>
+              <a:t>“Crown Him with Many Crowns”</a:t>
+            </a:r>
           </a:p>
         </p:txBody>
       </p:sp>
